--- a/updates/12_17_2020.pptx
+++ b/updates/12_17_2020.pptx
@@ -11,6 +11,8 @@
     <p:sldId id="262" r:id="rId5"/>
     <p:sldId id="257" r:id="rId6"/>
     <p:sldId id="263" r:id="rId7"/>
+    <p:sldId id="264" r:id="rId8"/>
+    <p:sldId id="265" r:id="rId9"/>
   </p:sldIdLst>
   <p:sldSz cx="12192000" cy="6858000"/>
   <p:notesSz cx="6858000" cy="9144000"/>
@@ -264,7 +266,7 @@
           <a:p>
             <a:fld id="{051E3015-8906-4F8E-96A9-D84AE8EB3DAA}" type="datetimeFigureOut">
               <a:rPr lang="en-US" smtClean="0"/>
-              <a:t>12/18/2020</a:t>
+              <a:t>12/21/2020</a:t>
             </a:fld>
             <a:endParaRPr lang="en-US"/>
           </a:p>
@@ -462,7 +464,7 @@
           <a:p>
             <a:fld id="{051E3015-8906-4F8E-96A9-D84AE8EB3DAA}" type="datetimeFigureOut">
               <a:rPr lang="en-US" smtClean="0"/>
-              <a:t>12/18/2020</a:t>
+              <a:t>12/21/2020</a:t>
             </a:fld>
             <a:endParaRPr lang="en-US"/>
           </a:p>
@@ -670,7 +672,7 @@
           <a:p>
             <a:fld id="{051E3015-8906-4F8E-96A9-D84AE8EB3DAA}" type="datetimeFigureOut">
               <a:rPr lang="en-US" smtClean="0"/>
-              <a:t>12/18/2020</a:t>
+              <a:t>12/21/2020</a:t>
             </a:fld>
             <a:endParaRPr lang="en-US"/>
           </a:p>
@@ -868,7 +870,7 @@
           <a:p>
             <a:fld id="{051E3015-8906-4F8E-96A9-D84AE8EB3DAA}" type="datetimeFigureOut">
               <a:rPr lang="en-US" smtClean="0"/>
-              <a:t>12/18/2020</a:t>
+              <a:t>12/21/2020</a:t>
             </a:fld>
             <a:endParaRPr lang="en-US"/>
           </a:p>
@@ -1143,7 +1145,7 @@
           <a:p>
             <a:fld id="{051E3015-8906-4F8E-96A9-D84AE8EB3DAA}" type="datetimeFigureOut">
               <a:rPr lang="en-US" smtClean="0"/>
-              <a:t>12/18/2020</a:t>
+              <a:t>12/21/2020</a:t>
             </a:fld>
             <a:endParaRPr lang="en-US"/>
           </a:p>
@@ -1408,7 +1410,7 @@
           <a:p>
             <a:fld id="{051E3015-8906-4F8E-96A9-D84AE8EB3DAA}" type="datetimeFigureOut">
               <a:rPr lang="en-US" smtClean="0"/>
-              <a:t>12/18/2020</a:t>
+              <a:t>12/21/2020</a:t>
             </a:fld>
             <a:endParaRPr lang="en-US"/>
           </a:p>
@@ -1820,7 +1822,7 @@
           <a:p>
             <a:fld id="{051E3015-8906-4F8E-96A9-D84AE8EB3DAA}" type="datetimeFigureOut">
               <a:rPr lang="en-US" smtClean="0"/>
-              <a:t>12/18/2020</a:t>
+              <a:t>12/21/2020</a:t>
             </a:fld>
             <a:endParaRPr lang="en-US"/>
           </a:p>
@@ -1961,7 +1963,7 @@
           <a:p>
             <a:fld id="{051E3015-8906-4F8E-96A9-D84AE8EB3DAA}" type="datetimeFigureOut">
               <a:rPr lang="en-US" smtClean="0"/>
-              <a:t>12/18/2020</a:t>
+              <a:t>12/21/2020</a:t>
             </a:fld>
             <a:endParaRPr lang="en-US"/>
           </a:p>
@@ -2074,7 +2076,7 @@
           <a:p>
             <a:fld id="{051E3015-8906-4F8E-96A9-D84AE8EB3DAA}" type="datetimeFigureOut">
               <a:rPr lang="en-US" smtClean="0"/>
-              <a:t>12/18/2020</a:t>
+              <a:t>12/21/2020</a:t>
             </a:fld>
             <a:endParaRPr lang="en-US"/>
           </a:p>
@@ -2385,7 +2387,7 @@
           <a:p>
             <a:fld id="{051E3015-8906-4F8E-96A9-D84AE8EB3DAA}" type="datetimeFigureOut">
               <a:rPr lang="en-US" smtClean="0"/>
-              <a:t>12/18/2020</a:t>
+              <a:t>12/21/2020</a:t>
             </a:fld>
             <a:endParaRPr lang="en-US"/>
           </a:p>
@@ -2673,7 +2675,7 @@
           <a:p>
             <a:fld id="{051E3015-8906-4F8E-96A9-D84AE8EB3DAA}" type="datetimeFigureOut">
               <a:rPr lang="en-US" smtClean="0"/>
-              <a:t>12/18/2020</a:t>
+              <a:t>12/21/2020</a:t>
             </a:fld>
             <a:endParaRPr lang="en-US"/>
           </a:p>
@@ -2914,7 +2916,7 @@
           <a:p>
             <a:fld id="{051E3015-8906-4F8E-96A9-D84AE8EB3DAA}" type="datetimeFigureOut">
               <a:rPr lang="en-US" smtClean="0"/>
-              <a:t>12/18/2020</a:t>
+              <a:t>12/21/2020</a:t>
             </a:fld>
             <a:endParaRPr lang="en-US"/>
           </a:p>
@@ -3586,47 +3588,6 @@
       </p:grpSpPr>
       <p:sp>
         <p:nvSpPr>
-          <p:cNvPr id="2" name="Title 1">
-            <a:extLst>
-              <a:ext uri="{FF2B5EF4-FFF2-40B4-BE49-F238E27FC236}">
-                <a16:creationId xmlns:a16="http://schemas.microsoft.com/office/drawing/2014/main" id="{9DE3CADA-2F56-47EE-B491-60B6CFC22B1C}"/>
-              </a:ext>
-            </a:extLst>
-          </p:cNvPr>
-          <p:cNvSpPr>
-            <a:spLocks noGrp="1"/>
-          </p:cNvSpPr>
-          <p:nvPr>
-            <p:ph type="title"/>
-          </p:nvPr>
-        </p:nvSpPr>
-        <p:spPr>
-          <a:xfrm>
-            <a:off x="108357" y="197346"/>
-            <a:ext cx="3926747" cy="2889803"/>
-          </a:xfrm>
-        </p:spPr>
-        <p:txBody>
-          <a:bodyPr/>
-          <a:lstStyle/>
-          <a:p>
-            <a:r>
-              <a:rPr lang="en-US" dirty="0"/>
-              <a:t>I go with the ‘RS-able’ </a:t>
-            </a:r>
-            <a:r>
-              <a:rPr lang="en-US" dirty="0" err="1"/>
-              <a:t>Ulseth</a:t>
-            </a:r>
-            <a:r>
-              <a:rPr lang="en-US" dirty="0"/>
-              <a:t> model</a:t>
-            </a:r>
-          </a:p>
-        </p:txBody>
-      </p:sp>
-      <p:sp>
-        <p:nvSpPr>
           <p:cNvPr id="5" name="TextBox 4">
             <a:extLst>
               <a:ext uri="{FF2B5EF4-FFF2-40B4-BE49-F238E27FC236}">
@@ -3723,8 +3684,8 @@
         </p:nvSpPr>
         <p:spPr>
           <a:xfrm>
-            <a:off x="3393312" y="2457055"/>
-            <a:ext cx="7453653" cy="923330"/>
+            <a:off x="1474865" y="1153054"/>
+            <a:ext cx="7453653" cy="1231106"/>
           </a:xfrm>
           <a:prstGeom prst="rect">
             <a:avLst/>
@@ -3738,8 +3699,8 @@
           <a:lstStyle/>
           <a:p>
             <a:r>
-              <a:rPr lang="en-US" b="1" dirty="0"/>
-              <a:t>SO: for validation any deviations from 1:1 are caused by RS of velocity and/or the k600 prior</a:t>
+              <a:rPr lang="en-US" sz="2800" b="1" dirty="0"/>
+              <a:t>SO: for validation, any deviations from 1:1 are caused by RS of velocity and/or the k600 prior</a:t>
             </a:r>
           </a:p>
           <a:p>
@@ -4048,7 +4009,7 @@
           <a:p>
             <a:r>
               <a:rPr lang="en-US" dirty="0"/>
-              <a:t>Flux Implications for 22 SWOT rivers</a:t>
+              <a:t>Upscaling Implications for 22 SWOT rivers</a:t>
             </a:r>
           </a:p>
         </p:txBody>
@@ -4069,10 +4030,15 @@
             <p:ph idx="1"/>
           </p:nvPr>
         </p:nvSpPr>
-        <p:spPr/>
+        <p:spPr>
+          <a:xfrm>
+            <a:off x="838200" y="1825625"/>
+            <a:ext cx="10515600" cy="4667250"/>
+          </a:xfrm>
+        </p:spPr>
         <p:txBody>
           <a:bodyPr>
-            <a:normAutofit/>
+            <a:normAutofit lnSpcReduction="10000"/>
           </a:bodyPr>
           <a:lstStyle/>
           <a:p>
@@ -4098,6 +4064,16 @@
             </a:r>
           </a:p>
           <a:p>
+            <a:pPr lvl="1"/>
+            <a:r>
+              <a:rPr lang="en-US" dirty="0"/>
+              <a:t>Ignoring the timesteps &gt; 29 for a few rivers as CO2 data is only 29 samples</a:t>
+            </a:r>
+          </a:p>
+          <a:p>
+            <a:endParaRPr lang="en-US" dirty="0"/>
+          </a:p>
+          <a:p>
             <a:r>
               <a:rPr lang="en-US" dirty="0"/>
               <a:t>Calculate k</a:t>
@@ -4108,40 +4084,57 @@
             </a:r>
             <a:r>
               <a:rPr lang="en-US" dirty="0"/>
-              <a:t>using 1) BIKER posterior means and 2) ‘RS-able’ </a:t>
+              <a:t>(and then FCO2) using:</a:t>
+            </a:r>
+          </a:p>
+          <a:p>
+            <a:pPr lvl="1"/>
+            <a:r>
+              <a:rPr lang="en-US" dirty="0"/>
+              <a:t>1) Observed average velocity</a:t>
+            </a:r>
+          </a:p>
+          <a:p>
+            <a:pPr lvl="1"/>
+            <a:r>
+              <a:rPr lang="en-US" dirty="0"/>
+              <a:t>2) BIKER posterior means</a:t>
+            </a:r>
+          </a:p>
+          <a:p>
+            <a:pPr lvl="1"/>
+            <a:r>
+              <a:rPr lang="en-US" dirty="0"/>
+              <a:t>3) </a:t>
             </a:r>
             <a:r>
               <a:rPr lang="en-US" dirty="0" err="1"/>
-              <a:t>ulseth</a:t>
+              <a:t>Shaoda’s</a:t>
             </a:r>
             <a:r>
               <a:rPr lang="en-US" dirty="0"/>
-              <a:t> 2019 model</a:t>
+              <a:t> in review approach</a:t>
             </a:r>
           </a:p>
           <a:p>
             <a:pPr lvl="1"/>
             <a:r>
               <a:rPr lang="en-US" dirty="0"/>
-              <a:t>Ignoring the timesteps &gt; 29 for a few rivers as CO2 data is only 29 samples</a:t>
-            </a:r>
-          </a:p>
-          <a:p>
+              <a:t>4) Raymond 2012/2013 approach</a:t>
+            </a:r>
+          </a:p>
+          <a:p>
+            <a:pPr lvl="1"/>
             <a:r>
               <a:rPr lang="en-US" dirty="0"/>
-              <a:t>Calculate two sets of FCO</a:t>
-            </a:r>
-            <a:r>
-              <a:rPr lang="en-US" baseline="-25000" dirty="0"/>
-              <a:t>2 </a:t>
-            </a:r>
+              <a:t>Basically, how does our ungauged approach compare to gauge-based methods?</a:t>
+            </a:r>
+          </a:p>
+          <a:p>
+            <a:pPr lvl="1"/>
             <a:r>
               <a:rPr lang="en-US" dirty="0"/>
-              <a:t>using the different k</a:t>
-            </a:r>
-            <a:r>
-              <a:rPr lang="en-US" baseline="-25000" dirty="0"/>
-              <a:t>co2 </a:t>
+              <a:t>Also lets me explicitly validate against using obs. V</a:t>
             </a:r>
           </a:p>
         </p:txBody>
@@ -4181,7 +4174,7 @@
           <p:cNvPr id="3" name="Picture 2">
             <a:extLst>
               <a:ext uri="{FF2B5EF4-FFF2-40B4-BE49-F238E27FC236}">
-                <a16:creationId xmlns:a16="http://schemas.microsoft.com/office/drawing/2014/main" id="{987C44D6-0652-445A-9BD9-C94780880C4D}"/>
+                <a16:creationId xmlns:a16="http://schemas.microsoft.com/office/drawing/2014/main" id="{94894586-1DA6-4F2A-A919-A61C17DCC989}"/>
               </a:ext>
             </a:extLst>
           </p:cNvPr>
@@ -4203,8 +4196,8 @@
         </p:blipFill>
         <p:spPr>
           <a:xfrm>
-            <a:off x="-1" y="0"/>
-            <a:ext cx="5730879" cy="3343012"/>
+            <a:off x="609600" y="228600"/>
+            <a:ext cx="10972800" cy="6400800"/>
           </a:xfrm>
           <a:prstGeom prst="rect">
             <a:avLst/>
@@ -4213,10 +4206,10 @@
       </p:pic>
       <p:sp>
         <p:nvSpPr>
-          <p:cNvPr id="4" name="TextBox 3">
-            <a:extLst>
-              <a:ext uri="{FF2B5EF4-FFF2-40B4-BE49-F238E27FC236}">
-                <a16:creationId xmlns:a16="http://schemas.microsoft.com/office/drawing/2014/main" id="{48221F1D-258A-436B-AA16-81CFE2BAAF6A}"/>
+          <p:cNvPr id="2" name="TextBox 1">
+            <a:extLst>
+              <a:ext uri="{FF2B5EF4-FFF2-40B4-BE49-F238E27FC236}">
+                <a16:creationId xmlns:a16="http://schemas.microsoft.com/office/drawing/2014/main" id="{29A48DA1-6B49-4A4C-A67F-B23D15D99A01}"/>
               </a:ext>
             </a:extLst>
           </p:cNvPr>
@@ -4225,106 +4218,82 @@
         </p:nvSpPr>
         <p:spPr>
           <a:xfrm>
-            <a:off x="6870585" y="1216404"/>
-            <a:ext cx="3892490" cy="1692771"/>
+            <a:off x="1918447" y="385483"/>
+            <a:ext cx="2551148" cy="646331"/>
           </a:xfrm>
           <a:prstGeom prst="rect">
             <a:avLst/>
           </a:prstGeom>
           <a:noFill/>
+          <a:ln w="19050">
+            <a:solidFill>
+              <a:schemeClr val="tx1"/>
+            </a:solidFill>
+          </a:ln>
         </p:spPr>
         <p:txBody>
-          <a:bodyPr wrap="square" rtlCol="0">
+          <a:bodyPr wrap="none" rtlCol="0">
             <a:spAutoFit/>
           </a:bodyPr>
           <a:lstStyle/>
           <a:p>
             <a:r>
-              <a:rPr lang="en-US" sz="3200" dirty="0" err="1"/>
-              <a:t>geoBAM</a:t>
-            </a:r>
-            <a:r>
-              <a:rPr lang="en-US" sz="3200" dirty="0"/>
-              <a:t> style</a:t>
-            </a:r>
-          </a:p>
-          <a:p>
-            <a:endParaRPr lang="en-US" sz="3200" dirty="0"/>
-          </a:p>
-          <a:p>
-            <a:r>
-              <a:rPr lang="en-US" sz="2000" dirty="0"/>
-              <a:t>Smaller PIs and r</a:t>
-            </a:r>
-            <a:r>
-              <a:rPr lang="en-US" sz="2000" baseline="30000" dirty="0"/>
-              <a:t>2</a:t>
-            </a:r>
-            <a:r>
-              <a:rPr lang="en-US" sz="2000" dirty="0"/>
-              <a:t>, but greater bias and RMSE</a:t>
-            </a:r>
-          </a:p>
-        </p:txBody>
-      </p:sp>
-      <p:sp>
-        <p:nvSpPr>
-          <p:cNvPr id="5" name="TextBox 4">
-            <a:extLst>
-              <a:ext uri="{FF2B5EF4-FFF2-40B4-BE49-F238E27FC236}">
-                <a16:creationId xmlns:a16="http://schemas.microsoft.com/office/drawing/2014/main" id="{AC84DF71-85D2-4C2E-884A-BE7E47BF14C6}"/>
-              </a:ext>
-            </a:extLst>
-          </p:cNvPr>
-          <p:cNvSpPr txBox="1"/>
-          <p:nvPr/>
-        </p:nvSpPr>
-        <p:spPr>
-          <a:xfrm>
-            <a:off x="6870585" y="4791995"/>
-            <a:ext cx="3791822" cy="1631216"/>
-          </a:xfrm>
-          <a:prstGeom prst="rect">
-            <a:avLst/>
-          </a:prstGeom>
-          <a:noFill/>
-        </p:spPr>
-        <p:txBody>
-          <a:bodyPr wrap="square" rtlCol="0">
-            <a:spAutoFit/>
-          </a:bodyPr>
-          <a:lstStyle/>
-          <a:p>
-            <a:r>
-              <a:rPr lang="en-US" sz="3200" dirty="0"/>
-              <a:t>Mark-style</a:t>
-            </a:r>
-          </a:p>
-          <a:p>
-            <a:endParaRPr lang="en-US" sz="3200" dirty="0"/>
-          </a:p>
-          <a:p>
-            <a:r>
-              <a:rPr lang="en-US" dirty="0"/>
-              <a:t>Larger PIs and r</a:t>
-            </a:r>
-            <a:r>
-              <a:rPr lang="en-US" baseline="30000" dirty="0"/>
-              <a:t>2</a:t>
-            </a:r>
-            <a:r>
-              <a:rPr lang="en-US" dirty="0"/>
-              <a:t>, but lower bias and RMSE</a:t>
-            </a:r>
-          </a:p>
-        </p:txBody>
-      </p:sp>
+              <a:rPr lang="en-US" b="1" dirty="0"/>
+              <a:t>95% prediction</a:t>
+            </a:r>
+          </a:p>
+          <a:p>
+            <a:r>
+              <a:rPr lang="en-US" b="1" dirty="0"/>
+              <a:t>interval is ~1.9 g/m2*</a:t>
+            </a:r>
+            <a:r>
+              <a:rPr lang="en-US" b="1" dirty="0" err="1"/>
+              <a:t>dy</a:t>
+            </a:r>
+            <a:r>
+              <a:rPr lang="en-US" b="1" dirty="0"/>
+              <a:t> </a:t>
+            </a:r>
+          </a:p>
+        </p:txBody>
+      </p:sp>
+    </p:spTree>
+    <p:extLst>
+      <p:ext uri="{BB962C8B-B14F-4D97-AF65-F5344CB8AC3E}">
+        <p14:creationId xmlns:p14="http://schemas.microsoft.com/office/powerpoint/2010/main" val="2813730508"/>
+      </p:ext>
+    </p:extLst>
+  </p:cSld>
+  <p:clrMapOvr>
+    <a:masterClrMapping/>
+  </p:clrMapOvr>
+</p:sld>
+</file>
+
+<file path=ppt/slides/slide7.xml><?xml version="1.0" encoding="utf-8"?>
+<p:sld xmlns:a="http://schemas.openxmlformats.org/drawingml/2006/main" xmlns:r="http://schemas.openxmlformats.org/officeDocument/2006/relationships" xmlns:p="http://schemas.openxmlformats.org/presentationml/2006/main">
+  <p:cSld>
+    <p:spTree>
+      <p:nvGrpSpPr>
+        <p:cNvPr id="1" name=""/>
+        <p:cNvGrpSpPr/>
+        <p:nvPr/>
+      </p:nvGrpSpPr>
+      <p:grpSpPr>
+        <a:xfrm>
+          <a:off x="0" y="0"/>
+          <a:ext cx="0" cy="0"/>
+          <a:chOff x="0" y="0"/>
+          <a:chExt cx="0" cy="0"/>
+        </a:xfrm>
+      </p:grpSpPr>
       <p:pic>
         <p:nvPicPr>
-          <p:cNvPr id="7" name="Picture 6">
-            <a:extLst>
-              <a:ext uri="{FF2B5EF4-FFF2-40B4-BE49-F238E27FC236}">
-                <a16:creationId xmlns:a16="http://schemas.microsoft.com/office/drawing/2014/main" id="{F47A1255-2A71-43DD-857A-EAACF5A265A6}"/>
+          <p:cNvPr id="3" name="Picture 2">
+            <a:extLst>
+              <a:ext uri="{FF2B5EF4-FFF2-40B4-BE49-F238E27FC236}">
+                <a16:creationId xmlns:a16="http://schemas.microsoft.com/office/drawing/2014/main" id="{BFA17F26-E784-4231-A98D-72D61DC89FBE}"/>
               </a:ext>
             </a:extLst>
           </p:cNvPr>
@@ -4334,7 +4303,7 @@
           <p:nvPr/>
         </p:nvPicPr>
         <p:blipFill>
-          <a:blip r:embed="rId3">
+          <a:blip r:embed="rId2">
             <a:extLst>
               <a:ext uri="{28A0092B-C50C-407E-A947-70E740481C1C}">
                 <a14:useLocalDpi xmlns:a14="http://schemas.microsoft.com/office/drawing/2010/main" val="0"/>
@@ -4346,18 +4315,300 @@
         </p:blipFill>
         <p:spPr>
           <a:xfrm>
-            <a:off x="0" y="3514987"/>
-            <a:ext cx="5730878" cy="3343012"/>
+            <a:off x="676712" y="228600"/>
+            <a:ext cx="10972800" cy="6400800"/>
           </a:xfrm>
           <a:prstGeom prst="rect">
             <a:avLst/>
           </a:prstGeom>
         </p:spPr>
       </p:pic>
+      <p:sp>
+        <p:nvSpPr>
+          <p:cNvPr id="12" name="TextBox 11">
+            <a:extLst>
+              <a:ext uri="{FF2B5EF4-FFF2-40B4-BE49-F238E27FC236}">
+                <a16:creationId xmlns:a16="http://schemas.microsoft.com/office/drawing/2014/main" id="{3FABB13D-0925-4532-AE3E-305440763D73}"/>
+              </a:ext>
+            </a:extLst>
+          </p:cNvPr>
+          <p:cNvSpPr txBox="1"/>
+          <p:nvPr/>
+        </p:nvSpPr>
+        <p:spPr>
+          <a:xfrm>
+            <a:off x="5020832" y="3525014"/>
+            <a:ext cx="3187816" cy="1477328"/>
+          </a:xfrm>
+          <a:prstGeom prst="rect">
+            <a:avLst/>
+          </a:prstGeom>
+          <a:noFill/>
+          <a:ln w="12700">
+            <a:solidFill>
+              <a:schemeClr val="tx1"/>
+            </a:solidFill>
+          </a:ln>
+        </p:spPr>
+        <p:txBody>
+          <a:bodyPr wrap="square" rtlCol="0">
+            <a:spAutoFit/>
+          </a:bodyPr>
+          <a:lstStyle/>
+          <a:p>
+            <a:r>
+              <a:rPr lang="en-US" dirty="0"/>
+              <a:t>Both velocity models are of form v=</a:t>
+            </a:r>
+            <a:r>
+              <a:rPr lang="en-US" dirty="0" err="1"/>
+              <a:t>kQ^m</a:t>
+            </a:r>
+            <a:r>
+              <a:rPr lang="en-US" dirty="0"/>
+              <a:t> and </a:t>
+            </a:r>
+            <a:r>
+              <a:rPr lang="en-US" b="1" dirty="0"/>
+              <a:t>use the observed Q record.</a:t>
+            </a:r>
+          </a:p>
+          <a:p>
+            <a:endParaRPr lang="en-US" b="1" dirty="0"/>
+          </a:p>
+          <a:p>
+            <a:r>
+              <a:rPr lang="en-US" b="1" dirty="0"/>
+              <a:t>K and m are global-scope</a:t>
+            </a:r>
+          </a:p>
+        </p:txBody>
+      </p:sp>
+      <p:cxnSp>
+        <p:nvCxnSpPr>
+          <p:cNvPr id="6" name="Straight Arrow Connector 5">
+            <a:extLst>
+              <a:ext uri="{FF2B5EF4-FFF2-40B4-BE49-F238E27FC236}">
+                <a16:creationId xmlns:a16="http://schemas.microsoft.com/office/drawing/2014/main" id="{D4F25079-2484-43D2-AB79-EDFB0DA54C59}"/>
+              </a:ext>
+            </a:extLst>
+          </p:cNvPr>
+          <p:cNvCxnSpPr>
+            <a:cxnSpLocks/>
+          </p:cNvCxnSpPr>
+          <p:nvPr/>
+        </p:nvCxnSpPr>
+        <p:spPr>
+          <a:xfrm flipV="1">
+            <a:off x="8238029" y="3827929"/>
+            <a:ext cx="1605218" cy="349788"/>
+          </a:xfrm>
+          <a:prstGeom prst="straightConnector1">
+            <a:avLst/>
+          </a:prstGeom>
+          <a:ln w="38100">
+            <a:tailEnd type="triangle"/>
+          </a:ln>
+        </p:spPr>
+        <p:style>
+          <a:lnRef idx="1">
+            <a:schemeClr val="accent1"/>
+          </a:lnRef>
+          <a:fillRef idx="0">
+            <a:schemeClr val="accent1"/>
+          </a:fillRef>
+          <a:effectRef idx="0">
+            <a:schemeClr val="accent1"/>
+          </a:effectRef>
+          <a:fontRef idx="minor">
+            <a:schemeClr val="tx1"/>
+          </a:fontRef>
+        </p:style>
+      </p:cxnSp>
+      <p:cxnSp>
+        <p:nvCxnSpPr>
+          <p:cNvPr id="9" name="Straight Arrow Connector 8">
+            <a:extLst>
+              <a:ext uri="{FF2B5EF4-FFF2-40B4-BE49-F238E27FC236}">
+                <a16:creationId xmlns:a16="http://schemas.microsoft.com/office/drawing/2014/main" id="{97C32A80-E615-412B-A369-83F50DEC0FBB}"/>
+              </a:ext>
+            </a:extLst>
+          </p:cNvPr>
+          <p:cNvCxnSpPr>
+            <a:cxnSpLocks/>
+          </p:cNvCxnSpPr>
+          <p:nvPr/>
+        </p:nvCxnSpPr>
+        <p:spPr>
+          <a:xfrm flipV="1">
+            <a:off x="8179266" y="3648635"/>
+            <a:ext cx="1663981" cy="529083"/>
+          </a:xfrm>
+          <a:prstGeom prst="straightConnector1">
+            <a:avLst/>
+          </a:prstGeom>
+          <a:ln w="38100">
+            <a:tailEnd type="triangle"/>
+          </a:ln>
+        </p:spPr>
+        <p:style>
+          <a:lnRef idx="1">
+            <a:schemeClr val="accent1"/>
+          </a:lnRef>
+          <a:fillRef idx="0">
+            <a:schemeClr val="accent1"/>
+          </a:fillRef>
+          <a:effectRef idx="0">
+            <a:schemeClr val="accent1"/>
+          </a:effectRef>
+          <a:fontRef idx="minor">
+            <a:schemeClr val="tx1"/>
+          </a:fontRef>
+        </p:style>
+      </p:cxnSp>
+      <p:sp>
+        <p:nvSpPr>
+          <p:cNvPr id="14" name="TextBox 13">
+            <a:extLst>
+              <a:ext uri="{FF2B5EF4-FFF2-40B4-BE49-F238E27FC236}">
+                <a16:creationId xmlns:a16="http://schemas.microsoft.com/office/drawing/2014/main" id="{1309A032-DD1B-42D5-B329-B7A8B27A649F}"/>
+              </a:ext>
+            </a:extLst>
+          </p:cNvPr>
+          <p:cNvSpPr txBox="1"/>
+          <p:nvPr/>
+        </p:nvSpPr>
+        <p:spPr>
+          <a:xfrm>
+            <a:off x="10063076" y="3968800"/>
+            <a:ext cx="1543574" cy="307777"/>
+          </a:xfrm>
+          <a:prstGeom prst="rect">
+            <a:avLst/>
+          </a:prstGeom>
+          <a:solidFill>
+            <a:schemeClr val="bg1"/>
+          </a:solidFill>
+        </p:spPr>
+        <p:txBody>
+          <a:bodyPr wrap="square" rtlCol="0">
+            <a:spAutoFit/>
+          </a:bodyPr>
+          <a:lstStyle/>
+          <a:p>
+            <a:r>
+              <a:rPr lang="en-US" sz="1400" dirty="0"/>
+              <a:t>Observed Velocity</a:t>
+            </a:r>
+          </a:p>
+        </p:txBody>
+      </p:sp>
     </p:spTree>
     <p:extLst>
       <p:ext uri="{BB962C8B-B14F-4D97-AF65-F5344CB8AC3E}">
-        <p14:creationId xmlns:p14="http://schemas.microsoft.com/office/powerpoint/2010/main" val="52738917"/>
+        <p14:creationId xmlns:p14="http://schemas.microsoft.com/office/powerpoint/2010/main" val="2412979041"/>
+      </p:ext>
+    </p:extLst>
+  </p:cSld>
+  <p:clrMapOvr>
+    <a:masterClrMapping/>
+  </p:clrMapOvr>
+</p:sld>
+</file>
+
+<file path=ppt/slides/slide8.xml><?xml version="1.0" encoding="utf-8"?>
+<p:sld xmlns:a="http://schemas.openxmlformats.org/drawingml/2006/main" xmlns:r="http://schemas.openxmlformats.org/officeDocument/2006/relationships" xmlns:p="http://schemas.openxmlformats.org/presentationml/2006/main">
+  <p:cSld>
+    <p:spTree>
+      <p:nvGrpSpPr>
+        <p:cNvPr id="1" name=""/>
+        <p:cNvGrpSpPr/>
+        <p:nvPr/>
+      </p:nvGrpSpPr>
+      <p:grpSpPr>
+        <a:xfrm>
+          <a:off x="0" y="0"/>
+          <a:ext cx="0" cy="0"/>
+          <a:chOff x="0" y="0"/>
+          <a:chExt cx="0" cy="0"/>
+        </a:xfrm>
+      </p:grpSpPr>
+      <p:sp>
+        <p:nvSpPr>
+          <p:cNvPr id="2" name="Title 1">
+            <a:extLst>
+              <a:ext uri="{FF2B5EF4-FFF2-40B4-BE49-F238E27FC236}">
+                <a16:creationId xmlns:a16="http://schemas.microsoft.com/office/drawing/2014/main" id="{F14287B3-769C-4675-9AEB-01783A9A3476}"/>
+              </a:ext>
+            </a:extLst>
+          </p:cNvPr>
+          <p:cNvSpPr>
+            <a:spLocks noGrp="1"/>
+          </p:cNvSpPr>
+          <p:nvPr>
+            <p:ph type="title"/>
+          </p:nvPr>
+        </p:nvSpPr>
+        <p:spPr/>
+        <p:txBody>
+          <a:bodyPr/>
+          <a:lstStyle/>
+          <a:p>
+            <a:r>
+              <a:rPr lang="en-US" dirty="0"/>
+              <a:t>One more thing</a:t>
+            </a:r>
+          </a:p>
+        </p:txBody>
+      </p:sp>
+      <p:sp>
+        <p:nvSpPr>
+          <p:cNvPr id="3" name="Content Placeholder 2">
+            <a:extLst>
+              <a:ext uri="{FF2B5EF4-FFF2-40B4-BE49-F238E27FC236}">
+                <a16:creationId xmlns:a16="http://schemas.microsoft.com/office/drawing/2014/main" id="{9A33E37A-BEFD-44FD-A1B3-91B2C2D1C9CA}"/>
+              </a:ext>
+            </a:extLst>
+          </p:cNvPr>
+          <p:cNvSpPr>
+            <a:spLocks noGrp="1"/>
+          </p:cNvSpPr>
+          <p:nvPr>
+            <p:ph idx="1"/>
+          </p:nvPr>
+        </p:nvSpPr>
+        <p:spPr/>
+        <p:txBody>
+          <a:bodyPr/>
+          <a:lstStyle/>
+          <a:p>
+            <a:r>
+              <a:rPr lang="en-US" dirty="0" err="1"/>
+              <a:t>Tamlin</a:t>
+            </a:r>
+            <a:r>
+              <a:rPr lang="en-US" dirty="0"/>
+              <a:t>, Ethan, and Pete have now all suggested running this on </a:t>
+            </a:r>
+            <a:r>
+              <a:rPr lang="en-US" dirty="0" err="1"/>
+              <a:t>AirSWOT</a:t>
+            </a:r>
+            <a:r>
+              <a:rPr lang="en-US" dirty="0"/>
+              <a:t> or somehow simulating slope </a:t>
+            </a:r>
+            <a:r>
+              <a:rPr lang="en-US"/>
+              <a:t>errors…</a:t>
+            </a:r>
+          </a:p>
+        </p:txBody>
+      </p:sp>
+    </p:spTree>
+    <p:extLst>
+      <p:ext uri="{BB962C8B-B14F-4D97-AF65-F5344CB8AC3E}">
+        <p14:creationId xmlns:p14="http://schemas.microsoft.com/office/powerpoint/2010/main" val="4162452994"/>
       </p:ext>
     </p:extLst>
   </p:cSld>
